--- a/reports/[SS] Weekly Update 23-07-01.pptx
+++ b/reports/[SS] Weekly Update 23-07-01.pptx
@@ -202,7 +202,7 @@
           <a:p>
             <a:fld id="{4A0D3717-68C5-476D-8BF7-89D36CD5CF30}" type="datetimeFigureOut">
               <a:rPr lang="en-US" smtClean="0"/>
-              <a:t>7/4/2023</a:t>
+              <a:t>7/6/2023</a:t>
             </a:fld>
             <a:endParaRPr lang="en-US"/>
           </a:p>
@@ -616,7 +616,7 @@
           <a:p>
             <a:fld id="{AD3C0A23-D987-419A-8264-D12F8EAF570B}" type="datetime1">
               <a:rPr lang="en-US" smtClean="0"/>
-              <a:t>7/4/2023</a:t>
+              <a:t>7/6/2023</a:t>
             </a:fld>
             <a:endParaRPr lang="en-US"/>
           </a:p>
@@ -814,7 +814,7 @@
           <a:p>
             <a:fld id="{ABB0D799-3C81-49D8-9C9F-19F6ECAF4B97}" type="datetime1">
               <a:rPr lang="en-US" smtClean="0"/>
-              <a:t>7/4/2023</a:t>
+              <a:t>7/6/2023</a:t>
             </a:fld>
             <a:endParaRPr lang="en-US"/>
           </a:p>
@@ -1022,7 +1022,7 @@
           <a:p>
             <a:fld id="{5EB7C1F4-19B8-44BB-B0AA-D59AA3964D0A}" type="datetime1">
               <a:rPr lang="en-US" smtClean="0"/>
-              <a:t>7/4/2023</a:t>
+              <a:t>7/6/2023</a:t>
             </a:fld>
             <a:endParaRPr lang="en-US"/>
           </a:p>
@@ -1220,7 +1220,7 @@
           <a:p>
             <a:fld id="{C4DF121D-7469-493B-9CF5-F5AF72330D32}" type="datetime1">
               <a:rPr lang="en-US" smtClean="0"/>
-              <a:t>7/4/2023</a:t>
+              <a:t>7/6/2023</a:t>
             </a:fld>
             <a:endParaRPr lang="en-US"/>
           </a:p>
@@ -1495,7 +1495,7 @@
           <a:p>
             <a:fld id="{21C959AA-3A1F-41CD-A683-45F2741A506A}" type="datetime1">
               <a:rPr lang="en-US" smtClean="0"/>
-              <a:t>7/4/2023</a:t>
+              <a:t>7/6/2023</a:t>
             </a:fld>
             <a:endParaRPr lang="en-US"/>
           </a:p>
@@ -1760,7 +1760,7 @@
           <a:p>
             <a:fld id="{1DAC96A3-10CA-409E-ACA2-5D267E71104C}" type="datetime1">
               <a:rPr lang="en-US" smtClean="0"/>
-              <a:t>7/4/2023</a:t>
+              <a:t>7/6/2023</a:t>
             </a:fld>
             <a:endParaRPr lang="en-US"/>
           </a:p>
@@ -2172,7 +2172,7 @@
           <a:p>
             <a:fld id="{7FEDBC68-8906-4B0A-9468-248091CF41A7}" type="datetime1">
               <a:rPr lang="en-US" smtClean="0"/>
-              <a:t>7/4/2023</a:t>
+              <a:t>7/6/2023</a:t>
             </a:fld>
             <a:endParaRPr lang="en-US"/>
           </a:p>
@@ -2313,7 +2313,7 @@
           <a:p>
             <a:fld id="{3CDAC728-A0CA-496D-843E-6489112B5990}" type="datetime1">
               <a:rPr lang="en-US" smtClean="0"/>
-              <a:t>7/4/2023</a:t>
+              <a:t>7/6/2023</a:t>
             </a:fld>
             <a:endParaRPr lang="en-US"/>
           </a:p>
@@ -2426,7 +2426,7 @@
           <a:p>
             <a:fld id="{DD31B210-1BAC-4CBB-BFCB-A1213D8702D1}" type="datetime1">
               <a:rPr lang="en-US" smtClean="0"/>
-              <a:t>7/4/2023</a:t>
+              <a:t>7/6/2023</a:t>
             </a:fld>
             <a:endParaRPr lang="en-US"/>
           </a:p>
@@ -2737,7 +2737,7 @@
           <a:p>
             <a:fld id="{CDB1CDD7-39F9-4D33-A2E5-20BBA94C3572}" type="datetime1">
               <a:rPr lang="en-US" smtClean="0"/>
-              <a:t>7/4/2023</a:t>
+              <a:t>7/6/2023</a:t>
             </a:fld>
             <a:endParaRPr lang="en-US"/>
           </a:p>
@@ -3025,7 +3025,7 @@
           <a:p>
             <a:fld id="{DB49D966-02EF-450A-9FC1-1C5BB74CE7CA}" type="datetime1">
               <a:rPr lang="en-US" smtClean="0"/>
-              <a:t>7/4/2023</a:t>
+              <a:t>7/6/2023</a:t>
             </a:fld>
             <a:endParaRPr lang="en-US"/>
           </a:p>
@@ -3266,7 +3266,7 @@
           <a:p>
             <a:fld id="{5F9544F7-5993-4A49-A9DB-0C45EC0EC339}" type="datetime1">
               <a:rPr lang="en-US" smtClean="0"/>
-              <a:t>7/4/2023</a:t>
+              <a:t>7/6/2023</a:t>
             </a:fld>
             <a:endParaRPr lang="en-US"/>
           </a:p>
@@ -5187,7 +5187,7 @@
           </a:ln>
           <a:extLst>
             <a:ext uri="{C572A759-6A51-4108-AA02-DFA0A04FC94B}">
-              <ma14:wrappingTextBoxFlag xmlns="" xmlns:m="http://schemas.openxmlformats.org/officeDocument/2006/math" xmlns:a14="http://schemas.microsoft.com/office/drawing/2010/main" xmlns:ma14="http://schemas.microsoft.com/office/mac/drawingml/2011/main" val="1"/>
+              <ma14:wrappingTextBoxFlag xmlns:ma14="http://schemas.microsoft.com/office/mac/drawingml/2011/main" xmlns:a14="http://schemas.microsoft.com/office/drawing/2010/main" xmlns:m="http://schemas.openxmlformats.org/officeDocument/2006/math" xmlns="" val="1"/>
             </a:ext>
           </a:extLst>
         </p:spPr>
@@ -5238,7 +5238,7 @@
           </a:ln>
           <a:extLst>
             <a:ext uri="{C572A759-6A51-4108-AA02-DFA0A04FC94B}">
-              <ma14:wrappingTextBoxFlag xmlns="" xmlns:m="http://schemas.openxmlformats.org/officeDocument/2006/math" xmlns:a14="http://schemas.microsoft.com/office/drawing/2010/main" xmlns:ma14="http://schemas.microsoft.com/office/mac/drawingml/2011/main" val="1"/>
+              <ma14:wrappingTextBoxFlag xmlns:ma14="http://schemas.microsoft.com/office/mac/drawingml/2011/main" xmlns:a14="http://schemas.microsoft.com/office/drawing/2010/main" xmlns:m="http://schemas.openxmlformats.org/officeDocument/2006/math" xmlns="" val="1"/>
             </a:ext>
           </a:extLst>
         </p:spPr>
@@ -5289,7 +5289,7 @@
           </a:ln>
           <a:extLst>
             <a:ext uri="{C572A759-6A51-4108-AA02-DFA0A04FC94B}">
-              <ma14:wrappingTextBoxFlag xmlns="" xmlns:m="http://schemas.openxmlformats.org/officeDocument/2006/math" xmlns:a14="http://schemas.microsoft.com/office/drawing/2010/main" xmlns:ma14="http://schemas.microsoft.com/office/mac/drawingml/2011/main" val="1"/>
+              <ma14:wrappingTextBoxFlag xmlns:ma14="http://schemas.microsoft.com/office/mac/drawingml/2011/main" xmlns:a14="http://schemas.microsoft.com/office/drawing/2010/main" xmlns:m="http://schemas.openxmlformats.org/officeDocument/2006/math" xmlns="" val="1"/>
             </a:ext>
           </a:extLst>
         </p:spPr>
@@ -5340,7 +5340,7 @@
           </a:ln>
           <a:extLst>
             <a:ext uri="{C572A759-6A51-4108-AA02-DFA0A04FC94B}">
-              <ma14:wrappingTextBoxFlag xmlns="" xmlns:m="http://schemas.openxmlformats.org/officeDocument/2006/math" xmlns:a14="http://schemas.microsoft.com/office/drawing/2010/main" xmlns:ma14="http://schemas.microsoft.com/office/mac/drawingml/2011/main" val="1"/>
+              <ma14:wrappingTextBoxFlag xmlns:ma14="http://schemas.microsoft.com/office/mac/drawingml/2011/main" xmlns:a14="http://schemas.microsoft.com/office/drawing/2010/main" xmlns:m="http://schemas.openxmlformats.org/officeDocument/2006/math" xmlns="" val="1"/>
             </a:ext>
           </a:extLst>
         </p:spPr>
@@ -5391,7 +5391,7 @@
           </a:ln>
           <a:extLst>
             <a:ext uri="{C572A759-6A51-4108-AA02-DFA0A04FC94B}">
-              <ma14:wrappingTextBoxFlag xmlns="" xmlns:m="http://schemas.openxmlformats.org/officeDocument/2006/math" xmlns:a14="http://schemas.microsoft.com/office/drawing/2010/main" xmlns:ma14="http://schemas.microsoft.com/office/mac/drawingml/2011/main" val="1"/>
+              <ma14:wrappingTextBoxFlag xmlns:ma14="http://schemas.microsoft.com/office/mac/drawingml/2011/main" xmlns:a14="http://schemas.microsoft.com/office/drawing/2010/main" xmlns:m="http://schemas.openxmlformats.org/officeDocument/2006/math" xmlns="" val="1"/>
             </a:ext>
           </a:extLst>
         </p:spPr>
@@ -5442,7 +5442,7 @@
           </a:ln>
           <a:extLst>
             <a:ext uri="{C572A759-6A51-4108-AA02-DFA0A04FC94B}">
-              <ma14:wrappingTextBoxFlag xmlns="" xmlns:m="http://schemas.openxmlformats.org/officeDocument/2006/math" xmlns:a14="http://schemas.microsoft.com/office/drawing/2010/main" xmlns:ma14="http://schemas.microsoft.com/office/mac/drawingml/2011/main" val="1"/>
+              <ma14:wrappingTextBoxFlag xmlns:ma14="http://schemas.microsoft.com/office/mac/drawingml/2011/main" xmlns:a14="http://schemas.microsoft.com/office/drawing/2010/main" xmlns:m="http://schemas.openxmlformats.org/officeDocument/2006/math" xmlns="" val="1"/>
             </a:ext>
           </a:extLst>
         </p:spPr>
@@ -5493,7 +5493,7 @@
           </a:ln>
           <a:extLst>
             <a:ext uri="{C572A759-6A51-4108-AA02-DFA0A04FC94B}">
-              <ma14:wrappingTextBoxFlag xmlns="" xmlns:m="http://schemas.openxmlformats.org/officeDocument/2006/math" xmlns:a14="http://schemas.microsoft.com/office/drawing/2010/main" xmlns:ma14="http://schemas.microsoft.com/office/mac/drawingml/2011/main" val="1"/>
+              <ma14:wrappingTextBoxFlag xmlns:ma14="http://schemas.microsoft.com/office/mac/drawingml/2011/main" xmlns:a14="http://schemas.microsoft.com/office/drawing/2010/main" xmlns:m="http://schemas.openxmlformats.org/officeDocument/2006/math" xmlns="" val="1"/>
             </a:ext>
           </a:extLst>
         </p:spPr>
@@ -5567,7 +5567,7 @@
           </a:ln>
           <a:extLst>
             <a:ext uri="{C572A759-6A51-4108-AA02-DFA0A04FC94B}">
-              <ma14:wrappingTextBoxFlag xmlns="" xmlns:m="http://schemas.openxmlformats.org/officeDocument/2006/math" xmlns:a14="http://schemas.microsoft.com/office/drawing/2010/main" xmlns:ma14="http://schemas.microsoft.com/office/mac/drawingml/2011/main" val="1"/>
+              <ma14:wrappingTextBoxFlag xmlns:ma14="http://schemas.microsoft.com/office/mac/drawingml/2011/main" xmlns:a14="http://schemas.microsoft.com/office/drawing/2010/main" xmlns:m="http://schemas.openxmlformats.org/officeDocument/2006/math" xmlns="" val="1"/>
             </a:ext>
           </a:extLst>
         </p:spPr>
@@ -5619,7 +5619,7 @@
           </a:ln>
           <a:extLst>
             <a:ext uri="{C572A759-6A51-4108-AA02-DFA0A04FC94B}">
-              <ma14:wrappingTextBoxFlag xmlns="" xmlns:m="http://schemas.openxmlformats.org/officeDocument/2006/math" xmlns:a14="http://schemas.microsoft.com/office/drawing/2010/main" xmlns:ma14="http://schemas.microsoft.com/office/mac/drawingml/2011/main" val="1"/>
+              <ma14:wrappingTextBoxFlag xmlns:ma14="http://schemas.microsoft.com/office/mac/drawingml/2011/main" xmlns:a14="http://schemas.microsoft.com/office/drawing/2010/main" xmlns:m="http://schemas.openxmlformats.org/officeDocument/2006/math" xmlns="" val="1"/>
             </a:ext>
           </a:extLst>
         </p:spPr>
@@ -5692,7 +5692,7 @@
           </a:ln>
           <a:extLst>
             <a:ext uri="{C572A759-6A51-4108-AA02-DFA0A04FC94B}">
-              <ma14:wrappingTextBoxFlag xmlns="" xmlns:m="http://schemas.openxmlformats.org/officeDocument/2006/math" xmlns:a14="http://schemas.microsoft.com/office/drawing/2010/main" xmlns:ma14="http://schemas.microsoft.com/office/mac/drawingml/2011/main" val="1"/>
+              <ma14:wrappingTextBoxFlag xmlns:ma14="http://schemas.microsoft.com/office/mac/drawingml/2011/main" xmlns:a14="http://schemas.microsoft.com/office/drawing/2010/main" xmlns:m="http://schemas.openxmlformats.org/officeDocument/2006/math" xmlns="" val="1"/>
             </a:ext>
           </a:extLst>
         </p:spPr>
@@ -5780,7 +5780,7 @@
             <a:pPr algn="l"/>
             <a:r>
               <a:rPr lang="en-US" sz="4000" dirty="0"/>
-              <a:t>Comparison with UNet 3+</a:t>
+              <a:t>Comparisons</a:t>
             </a:r>
           </a:p>
         </p:txBody>
@@ -5827,14 +5827,14 @@
           <p:nvPr>
             <p:extLst>
               <p:ext uri="{D42A27DB-BD31-4B8C-83A1-F6EECF244321}">
-                <p14:modId xmlns:p14="http://schemas.microsoft.com/office/powerpoint/2010/main" val="3618597722"/>
+                <p14:modId xmlns:p14="http://schemas.microsoft.com/office/powerpoint/2010/main" val="679219428"/>
               </p:ext>
             </p:extLst>
           </p:nvPr>
         </p:nvGraphicFramePr>
         <p:xfrm>
-          <a:off x="1587500" y="2255013"/>
-          <a:ext cx="9604758" cy="3186852"/>
+          <a:off x="1669794" y="1364997"/>
+          <a:ext cx="9604758" cy="4101252"/>
         </p:xfrm>
         <a:graphic>
           <a:graphicData uri="http://schemas.openxmlformats.org/drawingml/2006/table">
@@ -7157,10 +7157,14 @@
                         <a:srgbClr val="FFFFFF"/>
                       </a:solidFill>
                     </a:lnT>
-                    <a:lnB w="12700">
+                    <a:lnB w="12700" cap="flat" cmpd="sng" algn="ctr">
                       <a:solidFill>
                         <a:srgbClr val="FFFFFF"/>
                       </a:solidFill>
+                      <a:prstDash val="solid"/>
+                      <a:round/>
+                      <a:headEnd type="none" w="med" len="med"/>
+                      <a:tailEnd type="none" w="med" len="med"/>
                     </a:lnB>
                     <a:solidFill>
                       <a:srgbClr val="343434"/>
@@ -7513,6 +7517,490 @@
                   </a:ext>
                 </a:extLst>
               </a:tr>
+              <a:tr h="796713">
+                <a:tc>
+                  <a:txBody>
+                    <a:bodyPr/>
+                    <a:lstStyle/>
+                    <a:p>
+                      <a:pPr marL="0" marR="0" lvl="0" indent="0" algn="ctr" defTabSz="914400" rtl="0" eaLnBrk="1" fontAlgn="auto" latinLnBrk="0" hangingPunct="1">
+                        <a:lnSpc>
+                          <a:spcPct val="100000"/>
+                        </a:lnSpc>
+                        <a:spcBef>
+                          <a:spcPts val="0"/>
+                        </a:spcBef>
+                        <a:spcAft>
+                          <a:spcPts val="0"/>
+                        </a:spcAft>
+                        <a:buClrTx/>
+                        <a:buSzTx/>
+                        <a:buFontTx/>
+                        <a:buNone/>
+                        <a:tabLst/>
+                        <a:defRPr sz="1800" b="0">
+                          <a:solidFill>
+                            <a:srgbClr val="000000"/>
+                          </a:solidFill>
+                        </a:defRPr>
+                      </a:pPr>
+                      <a:r>
+                        <a:rPr lang="en-US" sz="1500" b="1" kern="1200" dirty="0">
+                          <a:solidFill>
+                            <a:srgbClr val="FFFFFF"/>
+                          </a:solidFill>
+                          <a:latin typeface="+mn-lt"/>
+                          <a:ea typeface="Arial"/>
+                          <a:cs typeface="Arial"/>
+                          <a:sym typeface="Arial"/>
+                        </a:rPr>
+                        <a:t>Normal</a:t>
+                      </a:r>
+                      <a:br>
+                        <a:rPr lang="en-US" sz="1500" b="1" kern="1200" dirty="0">
+                          <a:solidFill>
+                            <a:srgbClr val="FFFFFF"/>
+                          </a:solidFill>
+                          <a:latin typeface="+mn-lt"/>
+                          <a:ea typeface="Arial"/>
+                          <a:cs typeface="Arial"/>
+                          <a:sym typeface="Arial"/>
+                        </a:rPr>
+                      </a:br>
+                      <a:r>
+                        <a:rPr lang="en-US" sz="1500" b="1" kern="1200" dirty="0">
+                          <a:solidFill>
+                            <a:srgbClr val="FFFFFF"/>
+                          </a:solidFill>
+                          <a:latin typeface="+mn-lt"/>
+                          <a:ea typeface="Arial"/>
+                          <a:cs typeface="Arial"/>
+                          <a:sym typeface="Arial"/>
+                        </a:rPr>
+                        <a:t>Weighted – Dataset Wide</a:t>
+                      </a:r>
+                    </a:p>
+                    <a:p>
+                      <a:pPr algn="ctr" defTabSz="914400">
+                        <a:defRPr sz="1800" b="0">
+                          <a:solidFill>
+                            <a:srgbClr val="000000"/>
+                          </a:solidFill>
+                        </a:defRPr>
+                      </a:pPr>
+                      <a:r>
+                        <a:rPr lang="en-US" sz="1500" b="1" dirty="0">
+                          <a:solidFill>
+                            <a:srgbClr val="FFFFFF"/>
+                          </a:solidFill>
+                          <a:latin typeface="+mj-lt"/>
+                          <a:ea typeface="Arial"/>
+                          <a:cs typeface="Arial"/>
+                          <a:sym typeface="Arial"/>
+                        </a:rPr>
+                        <a:t>+ </a:t>
+                      </a:r>
+                      <a:r>
+                        <a:rPr lang="en-US" sz="1500" b="1" dirty="0" err="1">
+                          <a:solidFill>
+                            <a:srgbClr val="FFFFFF"/>
+                          </a:solidFill>
+                          <a:latin typeface="+mj-lt"/>
+                          <a:ea typeface="Arial"/>
+                          <a:cs typeface="Arial"/>
+                          <a:sym typeface="Arial"/>
+                        </a:rPr>
+                        <a:t>Unet</a:t>
+                      </a:r>
+                      <a:r>
+                        <a:rPr lang="en-US" sz="1500" b="1" dirty="0">
+                          <a:solidFill>
+                            <a:srgbClr val="FFFFFF"/>
+                          </a:solidFill>
+                          <a:latin typeface="+mj-lt"/>
+                          <a:ea typeface="Arial"/>
+                          <a:cs typeface="Arial"/>
+                          <a:sym typeface="Arial"/>
+                        </a:rPr>
+                        <a:t> 3+ Loss</a:t>
+                      </a:r>
+                      <a:endParaRPr sz="1500" b="1" dirty="0">
+                        <a:solidFill>
+                          <a:srgbClr val="FFFFFF"/>
+                        </a:solidFill>
+                        <a:latin typeface="+mj-lt"/>
+                        <a:ea typeface="Arial"/>
+                        <a:cs typeface="Arial"/>
+                        <a:sym typeface="Arial"/>
+                      </a:endParaRPr>
+                    </a:p>
+                  </a:txBody>
+                  <a:tcPr marL="0" marR="0" marT="0" marB="0" anchor="ctr" horzOverflow="overflow">
+                    <a:lnL w="12700">
+                      <a:solidFill>
+                        <a:srgbClr val="FFFFFF"/>
+                      </a:solidFill>
+                    </a:lnL>
+                    <a:lnR w="38100" cap="flat" cmpd="sng" algn="ctr">
+                      <a:noFill/>
+                      <a:prstDash val="solid"/>
+                      <a:round/>
+                      <a:headEnd type="none" w="med" len="med"/>
+                      <a:tailEnd type="none" w="med" len="med"/>
+                    </a:lnR>
+                    <a:lnT w="12700">
+                      <a:solidFill>
+                        <a:srgbClr val="FFFFFF"/>
+                      </a:solidFill>
+                    </a:lnT>
+                    <a:lnB w="12700">
+                      <a:solidFill>
+                        <a:srgbClr val="FFFFFF"/>
+                      </a:solidFill>
+                    </a:lnB>
+                    <a:solidFill>
+                      <a:srgbClr val="343434"/>
+                    </a:solidFill>
+                  </a:tcPr>
+                </a:tc>
+                <a:tc>
+                  <a:txBody>
+                    <a:bodyPr/>
+                    <a:lstStyle/>
+                    <a:p>
+                      <a:pPr algn="ctr" defTabSz="914400">
+                        <a:defRPr sz="1800"/>
+                      </a:pPr>
+                      <a:r>
+                        <a:rPr lang="en-US" sz="1800" dirty="0">
+                          <a:latin typeface="Arial"/>
+                          <a:ea typeface="Arial"/>
+                          <a:cs typeface="Arial"/>
+                          <a:sym typeface="Arial"/>
+                        </a:rPr>
+                        <a:t>0.7709</a:t>
+                      </a:r>
+                      <a:endParaRPr sz="1800" dirty="0">
+                        <a:latin typeface="Arial"/>
+                        <a:ea typeface="Arial"/>
+                        <a:cs typeface="Arial"/>
+                        <a:sym typeface="Arial"/>
+                      </a:endParaRPr>
+                    </a:p>
+                  </a:txBody>
+                  <a:tcPr marL="0" marR="0" marT="0" marB="0" anchor="ctr" horzOverflow="overflow">
+                    <a:lnL w="38100" cap="flat" cmpd="sng" algn="ctr">
+                      <a:noFill/>
+                      <a:prstDash val="solid"/>
+                      <a:round/>
+                      <a:headEnd type="none" w="med" len="med"/>
+                      <a:tailEnd type="none" w="med" len="med"/>
+                    </a:lnL>
+                    <a:lnR w="38100" cap="flat" cmpd="sng" algn="ctr">
+                      <a:noFill/>
+                      <a:prstDash val="solid"/>
+                      <a:round/>
+                      <a:headEnd type="none" w="med" len="med"/>
+                      <a:tailEnd type="none" w="med" len="med"/>
+                    </a:lnR>
+                    <a:lnT w="38100" cap="flat" cmpd="sng" algn="ctr">
+                      <a:noFill/>
+                      <a:prstDash val="solid"/>
+                      <a:round/>
+                      <a:headEnd type="none" w="med" len="med"/>
+                      <a:tailEnd type="none" w="med" len="med"/>
+                    </a:lnT>
+                    <a:lnB w="38100" cap="flat" cmpd="sng" algn="ctr">
+                      <a:noFill/>
+                      <a:prstDash val="solid"/>
+                      <a:round/>
+                      <a:headEnd type="none" w="med" len="med"/>
+                      <a:tailEnd type="none" w="med" len="med"/>
+                    </a:lnB>
+                    <a:lnTlToBr w="12700" cmpd="sng">
+                      <a:noFill/>
+                      <a:prstDash val="solid"/>
+                    </a:lnTlToBr>
+                    <a:lnBlToTr w="12700" cmpd="sng">
+                      <a:noFill/>
+                      <a:prstDash val="solid"/>
+                    </a:lnBlToTr>
+                    <a:solidFill>
+                      <a:srgbClr val="E6E6E6"/>
+                    </a:solidFill>
+                  </a:tcPr>
+                </a:tc>
+                <a:tc>
+                  <a:txBody>
+                    <a:bodyPr/>
+                    <a:lstStyle/>
+                    <a:p>
+                      <a:pPr algn="ctr" defTabSz="914400">
+                        <a:defRPr sz="1800"/>
+                      </a:pPr>
+                      <a:r>
+                        <a:rPr lang="en-US" sz="1800" dirty="0">
+                          <a:latin typeface="Arial"/>
+                          <a:ea typeface="Arial"/>
+                          <a:cs typeface="Arial"/>
+                          <a:sym typeface="Arial"/>
+                        </a:rPr>
+                        <a:t>0.8895</a:t>
+                      </a:r>
+                      <a:endParaRPr sz="1800" dirty="0">
+                        <a:latin typeface="Arial"/>
+                        <a:ea typeface="Arial"/>
+                        <a:cs typeface="Arial"/>
+                        <a:sym typeface="Arial"/>
+                      </a:endParaRPr>
+                    </a:p>
+                  </a:txBody>
+                  <a:tcPr marL="0" marR="0" marT="0" marB="0" anchor="ctr" horzOverflow="overflow">
+                    <a:lnL w="38100" cap="flat" cmpd="sng" algn="ctr">
+                      <a:noFill/>
+                      <a:prstDash val="solid"/>
+                      <a:round/>
+                      <a:headEnd type="none" w="med" len="med"/>
+                      <a:tailEnd type="none" w="med" len="med"/>
+                    </a:lnL>
+                    <a:lnR w="38100" cap="flat" cmpd="sng" algn="ctr">
+                      <a:noFill/>
+                      <a:prstDash val="solid"/>
+                      <a:round/>
+                      <a:headEnd type="none" w="med" len="med"/>
+                      <a:tailEnd type="none" w="med" len="med"/>
+                    </a:lnR>
+                    <a:lnT w="38100" cap="flat" cmpd="sng" algn="ctr">
+                      <a:noFill/>
+                      <a:prstDash val="solid"/>
+                      <a:round/>
+                      <a:headEnd type="none" w="med" len="med"/>
+                      <a:tailEnd type="none" w="med" len="med"/>
+                    </a:lnT>
+                    <a:lnB w="38100" cap="flat" cmpd="sng" algn="ctr">
+                      <a:noFill/>
+                      <a:prstDash val="solid"/>
+                      <a:round/>
+                      <a:headEnd type="none" w="med" len="med"/>
+                      <a:tailEnd type="none" w="med" len="med"/>
+                    </a:lnB>
+                    <a:lnTlToBr w="12700" cmpd="sng">
+                      <a:noFill/>
+                      <a:prstDash val="solid"/>
+                    </a:lnTlToBr>
+                    <a:lnBlToTr w="12700" cmpd="sng">
+                      <a:noFill/>
+                      <a:prstDash val="solid"/>
+                    </a:lnBlToTr>
+                    <a:solidFill>
+                      <a:srgbClr val="E6E6E6"/>
+                    </a:solidFill>
+                  </a:tcPr>
+                </a:tc>
+                <a:tc>
+                  <a:txBody>
+                    <a:bodyPr/>
+                    <a:lstStyle/>
+                    <a:p>
+                      <a:pPr algn="ctr" defTabSz="914400">
+                        <a:defRPr sz="1800"/>
+                      </a:pPr>
+                      <a:r>
+                        <a:rPr lang="en-US" sz="1800" dirty="0">
+                          <a:latin typeface="Arial"/>
+                          <a:ea typeface="Arial"/>
+                          <a:cs typeface="Arial"/>
+                          <a:sym typeface="Arial"/>
+                        </a:rPr>
+                        <a:t>0.7194</a:t>
+                      </a:r>
+                      <a:endParaRPr sz="1800" dirty="0">
+                        <a:latin typeface="Arial"/>
+                        <a:ea typeface="Arial"/>
+                        <a:cs typeface="Arial"/>
+                        <a:sym typeface="Arial"/>
+                      </a:endParaRPr>
+                    </a:p>
+                  </a:txBody>
+                  <a:tcPr marL="0" marR="0" marT="0" marB="0" anchor="ctr" horzOverflow="overflow">
+                    <a:lnL w="38100" cap="flat" cmpd="sng" algn="ctr">
+                      <a:noFill/>
+                      <a:prstDash val="solid"/>
+                      <a:round/>
+                      <a:headEnd type="none" w="med" len="med"/>
+                      <a:tailEnd type="none" w="med" len="med"/>
+                    </a:lnL>
+                    <a:lnR w="38100" cap="flat" cmpd="sng" algn="ctr">
+                      <a:noFill/>
+                      <a:prstDash val="solid"/>
+                      <a:round/>
+                      <a:headEnd type="none" w="med" len="med"/>
+                      <a:tailEnd type="none" w="med" len="med"/>
+                    </a:lnR>
+                    <a:lnT w="38100" cap="flat" cmpd="sng" algn="ctr">
+                      <a:noFill/>
+                      <a:prstDash val="solid"/>
+                      <a:round/>
+                      <a:headEnd type="none" w="med" len="med"/>
+                      <a:tailEnd type="none" w="med" len="med"/>
+                    </a:lnT>
+                    <a:lnB w="38100" cap="flat" cmpd="sng" algn="ctr">
+                      <a:noFill/>
+                      <a:prstDash val="solid"/>
+                      <a:round/>
+                      <a:headEnd type="none" w="med" len="med"/>
+                      <a:tailEnd type="none" w="med" len="med"/>
+                    </a:lnB>
+                    <a:lnTlToBr w="12700" cmpd="sng">
+                      <a:noFill/>
+                      <a:prstDash val="solid"/>
+                    </a:lnTlToBr>
+                    <a:lnBlToTr w="12700" cmpd="sng">
+                      <a:noFill/>
+                      <a:prstDash val="solid"/>
+                    </a:lnBlToTr>
+                    <a:solidFill>
+                      <a:srgbClr val="E6E6E6"/>
+                    </a:solidFill>
+                  </a:tcPr>
+                </a:tc>
+                <a:tc>
+                  <a:txBody>
+                    <a:bodyPr/>
+                    <a:lstStyle/>
+                    <a:p>
+                      <a:pPr algn="ctr" defTabSz="914400">
+                        <a:defRPr sz="1800"/>
+                      </a:pPr>
+                      <a:r>
+                        <a:rPr lang="en-US" sz="1800" dirty="0">
+                          <a:latin typeface="Arial"/>
+                          <a:ea typeface="Arial"/>
+                          <a:cs typeface="Arial"/>
+                          <a:sym typeface="Arial"/>
+                        </a:rPr>
+                        <a:t>0.7692</a:t>
+                      </a:r>
+                      <a:endParaRPr sz="1800" dirty="0">
+                        <a:latin typeface="Arial"/>
+                        <a:ea typeface="Arial"/>
+                        <a:cs typeface="Arial"/>
+                        <a:sym typeface="Arial"/>
+                      </a:endParaRPr>
+                    </a:p>
+                  </a:txBody>
+                  <a:tcPr marL="0" marR="0" marT="0" marB="0" anchor="ctr" horzOverflow="overflow">
+                    <a:lnL w="38100" cap="flat" cmpd="sng" algn="ctr">
+                      <a:noFill/>
+                      <a:prstDash val="solid"/>
+                      <a:round/>
+                      <a:headEnd type="none" w="med" len="med"/>
+                      <a:tailEnd type="none" w="med" len="med"/>
+                    </a:lnL>
+                    <a:lnR w="38100" cap="flat" cmpd="sng" algn="ctr">
+                      <a:noFill/>
+                      <a:prstDash val="solid"/>
+                      <a:round/>
+                      <a:headEnd type="none" w="med" len="med"/>
+                      <a:tailEnd type="none" w="med" len="med"/>
+                    </a:lnR>
+                    <a:lnT w="38100" cap="flat" cmpd="sng" algn="ctr">
+                      <a:noFill/>
+                      <a:prstDash val="solid"/>
+                      <a:round/>
+                      <a:headEnd type="none" w="med" len="med"/>
+                      <a:tailEnd type="none" w="med" len="med"/>
+                    </a:lnT>
+                    <a:lnB w="38100">
+                      <a:noFill/>
+                      <a:miter lim="400000"/>
+                    </a:lnB>
+                    <a:lnTlToBr w="12700" cmpd="sng">
+                      <a:noFill/>
+                      <a:prstDash val="solid"/>
+                    </a:lnTlToBr>
+                    <a:lnBlToTr w="12700" cmpd="sng">
+                      <a:noFill/>
+                      <a:prstDash val="solid"/>
+                    </a:lnBlToTr>
+                    <a:solidFill>
+                      <a:srgbClr val="E6E6E6"/>
+                    </a:solidFill>
+                  </a:tcPr>
+                </a:tc>
+                <a:tc>
+                  <a:txBody>
+                    <a:bodyPr/>
+                    <a:lstStyle/>
+                    <a:p>
+                      <a:pPr algn="ctr" defTabSz="914400">
+                        <a:defRPr sz="1800"/>
+                      </a:pPr>
+                      <a:r>
+                        <a:rPr lang="en-US" sz="1800" dirty="0">
+                          <a:latin typeface="Arial"/>
+                          <a:ea typeface="Arial"/>
+                          <a:cs typeface="Arial"/>
+                          <a:sym typeface="Arial"/>
+                        </a:rPr>
+                        <a:t>0.6950</a:t>
+                      </a:r>
+                      <a:endParaRPr sz="1800" dirty="0">
+                        <a:latin typeface="Arial"/>
+                        <a:ea typeface="Arial"/>
+                        <a:cs typeface="Arial"/>
+                        <a:sym typeface="Arial"/>
+                      </a:endParaRPr>
+                    </a:p>
+                  </a:txBody>
+                  <a:tcPr marL="0" marR="0" marT="0" marB="0" anchor="ctr" horzOverflow="overflow">
+                    <a:lnL w="38100" cap="flat" cmpd="sng" algn="ctr">
+                      <a:noFill/>
+                      <a:prstDash val="solid"/>
+                      <a:round/>
+                      <a:headEnd type="none" w="med" len="med"/>
+                      <a:tailEnd type="none" w="med" len="med"/>
+                    </a:lnL>
+                    <a:lnR w="38100" cap="flat" cmpd="sng" algn="ctr">
+                      <a:noFill/>
+                      <a:prstDash val="solid"/>
+                      <a:round/>
+                      <a:headEnd type="none" w="med" len="med"/>
+                      <a:tailEnd type="none" w="med" len="med"/>
+                    </a:lnR>
+                    <a:lnT w="38100" cap="flat" cmpd="sng" algn="ctr">
+                      <a:noFill/>
+                      <a:prstDash val="solid"/>
+                      <a:round/>
+                      <a:headEnd type="none" w="med" len="med"/>
+                      <a:tailEnd type="none" w="med" len="med"/>
+                    </a:lnT>
+                    <a:lnB w="38100" cap="flat" cmpd="sng" algn="ctr">
+                      <a:noFill/>
+                      <a:prstDash val="solid"/>
+                      <a:round/>
+                      <a:headEnd type="none" w="med" len="med"/>
+                      <a:tailEnd type="none" w="med" len="med"/>
+                    </a:lnB>
+                    <a:lnTlToBr w="12700" cmpd="sng">
+                      <a:noFill/>
+                      <a:prstDash val="solid"/>
+                    </a:lnTlToBr>
+                    <a:lnBlToTr w="12700" cmpd="sng">
+                      <a:noFill/>
+                      <a:prstDash val="solid"/>
+                    </a:lnBlToTr>
+                    <a:solidFill>
+                      <a:srgbClr val="E6E6E6"/>
+                    </a:solidFill>
+                  </a:tcPr>
+                </a:tc>
+                <a:extLst>
+                  <a:ext uri="{0D108BD9-81ED-4DB2-BD59-A6C34878D82A}">
+                    <a16:rowId xmlns:a16="http://schemas.microsoft.com/office/drawing/2014/main" val="2483843453"/>
+                  </a:ext>
+                </a:extLst>
+              </a:tr>
             </a:tbl>
           </a:graphicData>
         </a:graphic>
@@ -7531,7 +8019,7 @@
         </p:nvSpPr>
         <p:spPr>
           <a:xfrm>
-            <a:off x="3762815" y="1958533"/>
+            <a:off x="3845109" y="1068517"/>
             <a:ext cx="809185" cy="184666"/>
           </a:xfrm>
           <a:prstGeom prst="rect">
@@ -7542,7 +8030,7 @@
           </a:ln>
           <a:extLst>
             <a:ext uri="{C572A759-6A51-4108-AA02-DFA0A04FC94B}">
-              <ma14:wrappingTextBoxFlag xmlns="" xmlns:m="http://schemas.openxmlformats.org/officeDocument/2006/math" xmlns:a14="http://schemas.microsoft.com/office/drawing/2010/main" xmlns:ma14="http://schemas.microsoft.com/office/mac/drawingml/2011/main" val="1"/>
+              <ma14:wrappingTextBoxFlag xmlns:ma14="http://schemas.microsoft.com/office/mac/drawingml/2011/main" xmlns:a14="http://schemas.microsoft.com/office/drawing/2010/main" xmlns:m="http://schemas.openxmlformats.org/officeDocument/2006/math" xmlns="" val="1"/>
             </a:ext>
           </a:extLst>
         </p:spPr>
@@ -7582,7 +8070,7 @@
         </p:nvSpPr>
         <p:spPr>
           <a:xfrm>
-            <a:off x="5286815" y="1958533"/>
+            <a:off x="5369109" y="1068517"/>
             <a:ext cx="809185" cy="184666"/>
           </a:xfrm>
           <a:prstGeom prst="rect">
@@ -7593,7 +8081,7 @@
           </a:ln>
           <a:extLst>
             <a:ext uri="{C572A759-6A51-4108-AA02-DFA0A04FC94B}">
-              <ma14:wrappingTextBoxFlag xmlns="" xmlns:m="http://schemas.openxmlformats.org/officeDocument/2006/math" xmlns:a14="http://schemas.microsoft.com/office/drawing/2010/main" xmlns:ma14="http://schemas.microsoft.com/office/mac/drawingml/2011/main" val="1"/>
+              <ma14:wrappingTextBoxFlag xmlns:ma14="http://schemas.microsoft.com/office/mac/drawingml/2011/main" xmlns:a14="http://schemas.microsoft.com/office/drawing/2010/main" xmlns:m="http://schemas.openxmlformats.org/officeDocument/2006/math" xmlns="" val="1"/>
             </a:ext>
           </a:extLst>
         </p:spPr>
@@ -7633,7 +8121,7 @@
         </p:nvSpPr>
         <p:spPr>
           <a:xfrm>
-            <a:off x="7139999" y="1932144"/>
+            <a:off x="7222293" y="1042128"/>
             <a:ext cx="809185" cy="184666"/>
           </a:xfrm>
           <a:prstGeom prst="rect">
@@ -7644,7 +8132,7 @@
           </a:ln>
           <a:extLst>
             <a:ext uri="{C572A759-6A51-4108-AA02-DFA0A04FC94B}">
-              <ma14:wrappingTextBoxFlag xmlns="" xmlns:m="http://schemas.openxmlformats.org/officeDocument/2006/math" xmlns:a14="http://schemas.microsoft.com/office/drawing/2010/main" xmlns:ma14="http://schemas.microsoft.com/office/mac/drawingml/2011/main" val="1"/>
+              <ma14:wrappingTextBoxFlag xmlns:ma14="http://schemas.microsoft.com/office/mac/drawingml/2011/main" xmlns:a14="http://schemas.microsoft.com/office/drawing/2010/main" xmlns:m="http://schemas.openxmlformats.org/officeDocument/2006/math" xmlns="" val="1"/>
             </a:ext>
           </a:extLst>
         </p:spPr>
@@ -7684,7 +8172,7 @@
         </p:nvSpPr>
         <p:spPr>
           <a:xfrm>
-            <a:off x="8663999" y="1932144"/>
+            <a:off x="8746293" y="1042128"/>
             <a:ext cx="809185" cy="184666"/>
           </a:xfrm>
           <a:prstGeom prst="rect">
@@ -7695,7 +8183,7 @@
           </a:ln>
           <a:extLst>
             <a:ext uri="{C572A759-6A51-4108-AA02-DFA0A04FC94B}">
-              <ma14:wrappingTextBoxFlag xmlns="" xmlns:m="http://schemas.openxmlformats.org/officeDocument/2006/math" xmlns:a14="http://schemas.microsoft.com/office/drawing/2010/main" xmlns:ma14="http://schemas.microsoft.com/office/mac/drawingml/2011/main" val="1"/>
+              <ma14:wrappingTextBoxFlag xmlns:ma14="http://schemas.microsoft.com/office/mac/drawingml/2011/main" xmlns:a14="http://schemas.microsoft.com/office/drawing/2010/main" xmlns:m="http://schemas.openxmlformats.org/officeDocument/2006/math" xmlns="" val="1"/>
             </a:ext>
           </a:extLst>
         </p:spPr>
@@ -7735,7 +8223,7 @@
         </p:nvSpPr>
         <p:spPr>
           <a:xfrm>
-            <a:off x="10249408" y="1958533"/>
+            <a:off x="10331702" y="1068517"/>
             <a:ext cx="809185" cy="184666"/>
           </a:xfrm>
           <a:prstGeom prst="rect">
@@ -7746,7 +8234,7 @@
           </a:ln>
           <a:extLst>
             <a:ext uri="{C572A759-6A51-4108-AA02-DFA0A04FC94B}">
-              <ma14:wrappingTextBoxFlag xmlns="" xmlns:m="http://schemas.openxmlformats.org/officeDocument/2006/math" xmlns:a14="http://schemas.microsoft.com/office/drawing/2010/main" xmlns:ma14="http://schemas.microsoft.com/office/mac/drawingml/2011/main" val="1"/>
+              <ma14:wrappingTextBoxFlag xmlns:ma14="http://schemas.microsoft.com/office/mac/drawingml/2011/main" xmlns:a14="http://schemas.microsoft.com/office/drawing/2010/main" xmlns:m="http://schemas.openxmlformats.org/officeDocument/2006/math" xmlns="" val="1"/>
             </a:ext>
           </a:extLst>
         </p:spPr>
@@ -7797,7 +8285,7 @@
           </a:ln>
           <a:extLst>
             <a:ext uri="{C572A759-6A51-4108-AA02-DFA0A04FC94B}">
-              <ma14:wrappingTextBoxFlag xmlns="" xmlns:m="http://schemas.openxmlformats.org/officeDocument/2006/math" xmlns:a14="http://schemas.microsoft.com/office/drawing/2010/main" xmlns:ma14="http://schemas.microsoft.com/office/mac/drawingml/2011/main" val="1"/>
+              <ma14:wrappingTextBoxFlag xmlns:ma14="http://schemas.microsoft.com/office/mac/drawingml/2011/main" xmlns:a14="http://schemas.microsoft.com/office/drawing/2010/main" xmlns:m="http://schemas.openxmlformats.org/officeDocument/2006/math" xmlns="" val="1"/>
             </a:ext>
           </a:extLst>
         </p:spPr>
@@ -7837,7 +8325,7 @@
         </p:nvSpPr>
         <p:spPr>
           <a:xfrm>
-            <a:off x="222835" y="3479107"/>
+            <a:off x="305129" y="2589091"/>
             <a:ext cx="1228285" cy="738664"/>
           </a:xfrm>
           <a:prstGeom prst="rect">
@@ -7848,7 +8336,7 @@
           </a:ln>
           <a:extLst>
             <a:ext uri="{C572A759-6A51-4108-AA02-DFA0A04FC94B}">
-              <ma14:wrappingTextBoxFlag xmlns="" xmlns:m="http://schemas.openxmlformats.org/officeDocument/2006/math" xmlns:a14="http://schemas.microsoft.com/office/drawing/2010/main" xmlns:ma14="http://schemas.microsoft.com/office/mac/drawingml/2011/main" val="1"/>
+              <ma14:wrappingTextBoxFlag xmlns:ma14="http://schemas.microsoft.com/office/mac/drawingml/2011/main" xmlns:a14="http://schemas.microsoft.com/office/drawing/2010/main" xmlns:m="http://schemas.openxmlformats.org/officeDocument/2006/math" xmlns="" val="1"/>
             </a:ext>
           </a:extLst>
         </p:spPr>
@@ -7911,7 +8399,7 @@
         </p:nvSpPr>
         <p:spPr>
           <a:xfrm>
-            <a:off x="10350879" y="5492046"/>
+            <a:off x="10465367" y="5697150"/>
             <a:ext cx="809185" cy="184666"/>
           </a:xfrm>
           <a:prstGeom prst="rect">
@@ -7922,7 +8410,7 @@
           </a:ln>
           <a:extLst>
             <a:ext uri="{C572A759-6A51-4108-AA02-DFA0A04FC94B}">
-              <ma14:wrappingTextBoxFlag xmlns="" xmlns:m="http://schemas.openxmlformats.org/officeDocument/2006/math" xmlns:a14="http://schemas.microsoft.com/office/drawing/2010/main" xmlns:ma14="http://schemas.microsoft.com/office/mac/drawingml/2011/main" val="1"/>
+              <ma14:wrappingTextBoxFlag xmlns:ma14="http://schemas.microsoft.com/office/mac/drawingml/2011/main" xmlns:a14="http://schemas.microsoft.com/office/drawing/2010/main" xmlns:m="http://schemas.openxmlformats.org/officeDocument/2006/math" xmlns="" val="1"/>
             </a:ext>
           </a:extLst>
         </p:spPr>
@@ -7963,7 +8451,7 @@
         </p:nvCxnSpPr>
         <p:spPr>
           <a:xfrm>
-            <a:off x="1254125" y="3098800"/>
+            <a:off x="1336419" y="2208784"/>
             <a:ext cx="0" cy="1562100"/>
           </a:xfrm>
           <a:prstGeom prst="line">
@@ -8002,7 +8490,7 @@
         </p:nvCxnSpPr>
         <p:spPr>
           <a:xfrm flipH="1">
-            <a:off x="1254125" y="3117850"/>
+            <a:off x="1336419" y="2227834"/>
             <a:ext cx="333375" cy="0"/>
           </a:xfrm>
           <a:prstGeom prst="line">
@@ -8041,7 +8529,7 @@
         </p:nvCxnSpPr>
         <p:spPr>
           <a:xfrm flipH="1">
-            <a:off x="1254124" y="4641850"/>
+            <a:off x="1336418" y="3751834"/>
             <a:ext cx="333375" cy="0"/>
           </a:xfrm>
           <a:prstGeom prst="line">
@@ -8078,7 +8566,7 @@
         </p:nvSpPr>
         <p:spPr>
           <a:xfrm>
-            <a:off x="167971" y="4701709"/>
+            <a:off x="250265" y="3811693"/>
             <a:ext cx="1987283" cy="707886"/>
           </a:xfrm>
           <a:prstGeom prst="rect">
@@ -8089,7 +8577,7 @@
           </a:ln>
           <a:extLst>
             <a:ext uri="{C572A759-6A51-4108-AA02-DFA0A04FC94B}">
-              <ma14:wrappingTextBoxFlag xmlns="" xmlns:m="http://schemas.openxmlformats.org/officeDocument/2006/math" xmlns:a14="http://schemas.microsoft.com/office/drawing/2010/main" xmlns:ma14="http://schemas.microsoft.com/office/mac/drawingml/2011/main" val="1"/>
+              <ma14:wrappingTextBoxFlag xmlns:ma14="http://schemas.microsoft.com/office/mac/drawingml/2011/main" xmlns:a14="http://schemas.microsoft.com/office/drawing/2010/main" xmlns:m="http://schemas.openxmlformats.org/officeDocument/2006/math" xmlns="" val="1"/>
             </a:ext>
           </a:extLst>
         </p:spPr>
@@ -8140,10 +8628,60 @@
       </p:sp>
       <p:sp>
         <p:nvSpPr>
-          <p:cNvPr id="30" name="Avg (10)">
-            <a:extLst>
-              <a:ext uri="{FF2B5EF4-FFF2-40B4-BE49-F238E27FC236}">
-                <a16:creationId xmlns:a16="http://schemas.microsoft.com/office/drawing/2014/main" id="{DC667E41-0E26-39A7-2C6B-12DAD88B45FF}"/>
+          <p:cNvPr id="37" name="Arrow: Curved Right 36">
+            <a:extLst>
+              <a:ext uri="{FF2B5EF4-FFF2-40B4-BE49-F238E27FC236}">
+                <a16:creationId xmlns:a16="http://schemas.microsoft.com/office/drawing/2014/main" id="{C2EB267F-0DDE-2216-0322-0B0AA4B70786}"/>
+              </a:ext>
+            </a:extLst>
+          </p:cNvPr>
+          <p:cNvSpPr/>
+          <p:nvPr/>
+        </p:nvSpPr>
+        <p:spPr>
+          <a:xfrm>
+            <a:off x="1434916" y="2721760"/>
+            <a:ext cx="333375" cy="2487163"/>
+          </a:xfrm>
+          <a:prstGeom prst="curvedRightArrow">
+            <a:avLst/>
+          </a:prstGeom>
+        </p:spPr>
+        <p:style>
+          <a:lnRef idx="2">
+            <a:schemeClr val="accent1">
+              <a:shade val="15000"/>
+            </a:schemeClr>
+          </a:lnRef>
+          <a:fillRef idx="1">
+            <a:schemeClr val="accent1"/>
+          </a:fillRef>
+          <a:effectRef idx="0">
+            <a:schemeClr val="accent1"/>
+          </a:effectRef>
+          <a:fontRef idx="minor">
+            <a:schemeClr val="lt1"/>
+          </a:fontRef>
+        </p:style>
+        <p:txBody>
+          <a:bodyPr rtlCol="0" anchor="ctr"/>
+          <a:lstStyle/>
+          <a:p>
+            <a:pPr algn="ctr"/>
+            <a:endParaRPr lang="en-US">
+              <a:solidFill>
+                <a:schemeClr val="tx1"/>
+              </a:solidFill>
+            </a:endParaRPr>
+          </a:p>
+        </p:txBody>
+      </p:sp>
+      <p:sp>
+        <p:nvSpPr>
+          <p:cNvPr id="38" name="Avg (10)">
+            <a:extLst>
+              <a:ext uri="{FF2B5EF4-FFF2-40B4-BE49-F238E27FC236}">
+                <a16:creationId xmlns:a16="http://schemas.microsoft.com/office/drawing/2014/main" id="{04BF117E-6B3D-4922-EFEB-3797C0684368}"/>
               </a:ext>
             </a:extLst>
           </p:cNvPr>
@@ -8152,8 +8690,8 @@
         </p:nvSpPr>
         <p:spPr>
           <a:xfrm>
-            <a:off x="2102855" y="5802352"/>
-            <a:ext cx="8248024" cy="369332"/>
+            <a:off x="335869" y="4947017"/>
+            <a:ext cx="1279320" cy="184666"/>
           </a:xfrm>
           <a:prstGeom prst="rect">
             <a:avLst/>
@@ -8163,7 +8701,7 @@
           </a:ln>
           <a:extLst>
             <a:ext uri="{C572A759-6A51-4108-AA02-DFA0A04FC94B}">
-              <ma14:wrappingTextBoxFlag xmlns="" xmlns:m="http://schemas.openxmlformats.org/officeDocument/2006/math" xmlns:a14="http://schemas.microsoft.com/office/drawing/2010/main" xmlns:ma14="http://schemas.microsoft.com/office/mac/drawingml/2011/main" val="1"/>
+              <ma14:wrappingTextBoxFlag xmlns:ma14="http://schemas.microsoft.com/office/mac/drawingml/2011/main" xmlns:a14="http://schemas.microsoft.com/office/drawing/2010/main" xmlns:m="http://schemas.openxmlformats.org/officeDocument/2006/math" xmlns="" val="1"/>
             </a:ext>
           </a:extLst>
         </p:spPr>
@@ -8182,18 +8720,11 @@
             </a:lvl1pPr>
           </a:lstStyle>
           <a:p>
-            <a:pPr marL="171450" indent="-171450">
-              <a:buFont typeface="Arial" panose="020B0604020202020204" pitchFamily="34" charset="0"/>
-              <a:buChar char="•"/>
-            </a:pPr>
-            <a:r>
-              <a:rPr lang="en-US" sz="1200" dirty="0">
-                <a:solidFill>
-                  <a:srgbClr val="00B050"/>
-                </a:solidFill>
-              </a:rPr>
-              <a:t>The output of UNet 3+ looks very balanced and seems to generalize well. If we can improve the accuracy, then it will be very influential. </a:t>
-            </a:r>
+            <a:r>
+              <a:rPr lang="en-US" sz="1200" dirty="0"/>
+              <a:t>+ Combined Loss</a:t>
+            </a:r>
+            <a:endParaRPr sz="1200" dirty="0"/>
           </a:p>
         </p:txBody>
       </p:sp>
@@ -8317,7 +8848,7 @@
           </a:ln>
           <a:extLst>
             <a:ext uri="{C572A759-6A51-4108-AA02-DFA0A04FC94B}">
-              <ma14:wrappingTextBoxFlag xmlns="" xmlns:m="http://schemas.openxmlformats.org/officeDocument/2006/math" xmlns:a14="http://schemas.microsoft.com/office/drawing/2010/main" xmlns:ma14="http://schemas.microsoft.com/office/mac/drawingml/2011/main" val="1"/>
+              <ma14:wrappingTextBoxFlag xmlns:ma14="http://schemas.microsoft.com/office/mac/drawingml/2011/main" xmlns:a14="http://schemas.microsoft.com/office/drawing/2010/main" xmlns:m="http://schemas.openxmlformats.org/officeDocument/2006/math" xmlns="" val="1"/>
             </a:ext>
           </a:extLst>
         </p:spPr>
@@ -8476,7 +9007,7 @@
           </a:ln>
           <a:extLst>
             <a:ext uri="{C572A759-6A51-4108-AA02-DFA0A04FC94B}">
-              <ma14:wrappingTextBoxFlag xmlns="" xmlns:m="http://schemas.openxmlformats.org/officeDocument/2006/math" xmlns:a14="http://schemas.microsoft.com/office/drawing/2010/main" xmlns:ma14="http://schemas.microsoft.com/office/mac/drawingml/2011/main" val="1"/>
+              <ma14:wrappingTextBoxFlag xmlns:ma14="http://schemas.microsoft.com/office/mac/drawingml/2011/main" xmlns:a14="http://schemas.microsoft.com/office/drawing/2010/main" xmlns:m="http://schemas.openxmlformats.org/officeDocument/2006/math" xmlns="" val="1"/>
             </a:ext>
           </a:extLst>
         </p:spPr>
@@ -8528,7 +9059,7 @@
           </a:ln>
           <a:extLst>
             <a:ext uri="{C572A759-6A51-4108-AA02-DFA0A04FC94B}">
-              <ma14:wrappingTextBoxFlag xmlns="" xmlns:m="http://schemas.openxmlformats.org/officeDocument/2006/math" xmlns:a14="http://schemas.microsoft.com/office/drawing/2010/main" xmlns:ma14="http://schemas.microsoft.com/office/mac/drawingml/2011/main" val="1"/>
+              <ma14:wrappingTextBoxFlag xmlns:ma14="http://schemas.microsoft.com/office/mac/drawingml/2011/main" xmlns:a14="http://schemas.microsoft.com/office/drawing/2010/main" xmlns:m="http://schemas.openxmlformats.org/officeDocument/2006/math" xmlns="" val="1"/>
             </a:ext>
           </a:extLst>
         </p:spPr>
@@ -8616,7 +9147,7 @@
           </a:ln>
           <a:extLst>
             <a:ext uri="{C572A759-6A51-4108-AA02-DFA0A04FC94B}">
-              <ma14:wrappingTextBoxFlag xmlns="" xmlns:m="http://schemas.openxmlformats.org/officeDocument/2006/math" xmlns:a14="http://schemas.microsoft.com/office/drawing/2010/main" xmlns:ma14="http://schemas.microsoft.com/office/mac/drawingml/2011/main" val="1"/>
+              <ma14:wrappingTextBoxFlag xmlns:ma14="http://schemas.microsoft.com/office/mac/drawingml/2011/main" xmlns:a14="http://schemas.microsoft.com/office/drawing/2010/main" xmlns:m="http://schemas.openxmlformats.org/officeDocument/2006/math" xmlns="" val="1"/>
             </a:ext>
           </a:extLst>
         </p:spPr>
@@ -8763,7 +9294,7 @@
           </a:ln>
           <a:extLst>
             <a:ext uri="{C572A759-6A51-4108-AA02-DFA0A04FC94B}">
-              <ma14:wrappingTextBoxFlag xmlns="" xmlns:m="http://schemas.openxmlformats.org/officeDocument/2006/math" xmlns:a14="http://schemas.microsoft.com/office/drawing/2010/main" xmlns:ma14="http://schemas.microsoft.com/office/mac/drawingml/2011/main" val="1"/>
+              <ma14:wrappingTextBoxFlag xmlns:ma14="http://schemas.microsoft.com/office/mac/drawingml/2011/main" xmlns:a14="http://schemas.microsoft.com/office/drawing/2010/main" xmlns:m="http://schemas.openxmlformats.org/officeDocument/2006/math" xmlns="" val="1"/>
             </a:ext>
           </a:extLst>
         </p:spPr>
@@ -8922,7 +9453,7 @@
           </a:ln>
           <a:extLst>
             <a:ext uri="{C572A759-6A51-4108-AA02-DFA0A04FC94B}">
-              <ma14:wrappingTextBoxFlag xmlns="" xmlns:m="http://schemas.openxmlformats.org/officeDocument/2006/math" xmlns:a14="http://schemas.microsoft.com/office/drawing/2010/main" xmlns:ma14="http://schemas.microsoft.com/office/mac/drawingml/2011/main" val="1"/>
+              <ma14:wrappingTextBoxFlag xmlns:ma14="http://schemas.microsoft.com/office/mac/drawingml/2011/main" xmlns:a14="http://schemas.microsoft.com/office/drawing/2010/main" xmlns:m="http://schemas.openxmlformats.org/officeDocument/2006/math" xmlns="" val="1"/>
             </a:ext>
           </a:extLst>
         </p:spPr>
@@ -8974,7 +9505,7 @@
           </a:ln>
           <a:extLst>
             <a:ext uri="{C572A759-6A51-4108-AA02-DFA0A04FC94B}">
-              <ma14:wrappingTextBoxFlag xmlns="" xmlns:m="http://schemas.openxmlformats.org/officeDocument/2006/math" xmlns:a14="http://schemas.microsoft.com/office/drawing/2010/main" xmlns:ma14="http://schemas.microsoft.com/office/mac/drawingml/2011/main" val="1"/>
+              <ma14:wrappingTextBoxFlag xmlns:ma14="http://schemas.microsoft.com/office/mac/drawingml/2011/main" xmlns:a14="http://schemas.microsoft.com/office/drawing/2010/main" xmlns:m="http://schemas.openxmlformats.org/officeDocument/2006/math" xmlns="" val="1"/>
             </a:ext>
           </a:extLst>
         </p:spPr>
@@ -9062,7 +9593,7 @@
           </a:ln>
           <a:extLst>
             <a:ext uri="{C572A759-6A51-4108-AA02-DFA0A04FC94B}">
-              <ma14:wrappingTextBoxFlag xmlns="" xmlns:m="http://schemas.openxmlformats.org/officeDocument/2006/math" xmlns:a14="http://schemas.microsoft.com/office/drawing/2010/main" xmlns:ma14="http://schemas.microsoft.com/office/mac/drawingml/2011/main" val="1"/>
+              <ma14:wrappingTextBoxFlag xmlns:ma14="http://schemas.microsoft.com/office/mac/drawingml/2011/main" xmlns:a14="http://schemas.microsoft.com/office/drawing/2010/main" xmlns:m="http://schemas.openxmlformats.org/officeDocument/2006/math" xmlns="" val="1"/>
             </a:ext>
           </a:extLst>
         </p:spPr>
@@ -9353,7 +9884,7 @@
           </a:ln>
           <a:extLst>
             <a:ext uri="{C572A759-6A51-4108-AA02-DFA0A04FC94B}">
-              <ma14:wrappingTextBoxFlag xmlns="" xmlns:m="http://schemas.openxmlformats.org/officeDocument/2006/math" xmlns:a14="http://schemas.microsoft.com/office/drawing/2010/main" xmlns:ma14="http://schemas.microsoft.com/office/mac/drawingml/2011/main" val="1"/>
+              <ma14:wrappingTextBoxFlag xmlns:ma14="http://schemas.microsoft.com/office/mac/drawingml/2011/main" xmlns:a14="http://schemas.microsoft.com/office/drawing/2010/main" xmlns:m="http://schemas.openxmlformats.org/officeDocument/2006/math" xmlns="" val="1"/>
             </a:ext>
           </a:extLst>
         </p:spPr>
@@ -9512,7 +10043,7 @@
           </a:ln>
           <a:extLst>
             <a:ext uri="{C572A759-6A51-4108-AA02-DFA0A04FC94B}">
-              <ma14:wrappingTextBoxFlag xmlns="" xmlns:m="http://schemas.openxmlformats.org/officeDocument/2006/math" xmlns:a14="http://schemas.microsoft.com/office/drawing/2010/main" xmlns:ma14="http://schemas.microsoft.com/office/mac/drawingml/2011/main" val="1"/>
+              <ma14:wrappingTextBoxFlag xmlns:ma14="http://schemas.microsoft.com/office/mac/drawingml/2011/main" xmlns:a14="http://schemas.microsoft.com/office/drawing/2010/main" xmlns:m="http://schemas.openxmlformats.org/officeDocument/2006/math" xmlns="" val="1"/>
             </a:ext>
           </a:extLst>
         </p:spPr>
@@ -9564,7 +10095,7 @@
           </a:ln>
           <a:extLst>
             <a:ext uri="{C572A759-6A51-4108-AA02-DFA0A04FC94B}">
-              <ma14:wrappingTextBoxFlag xmlns="" xmlns:m="http://schemas.openxmlformats.org/officeDocument/2006/math" xmlns:a14="http://schemas.microsoft.com/office/drawing/2010/main" xmlns:ma14="http://schemas.microsoft.com/office/mac/drawingml/2011/main" val="1"/>
+              <ma14:wrappingTextBoxFlag xmlns:ma14="http://schemas.microsoft.com/office/mac/drawingml/2011/main" xmlns:a14="http://schemas.microsoft.com/office/drawing/2010/main" xmlns:m="http://schemas.openxmlformats.org/officeDocument/2006/math" xmlns="" val="1"/>
             </a:ext>
           </a:extLst>
         </p:spPr>
@@ -9652,7 +10183,7 @@
           </a:ln>
           <a:extLst>
             <a:ext uri="{C572A759-6A51-4108-AA02-DFA0A04FC94B}">
-              <ma14:wrappingTextBoxFlag xmlns="" xmlns:m="http://schemas.openxmlformats.org/officeDocument/2006/math" xmlns:a14="http://schemas.microsoft.com/office/drawing/2010/main" xmlns:ma14="http://schemas.microsoft.com/office/mac/drawingml/2011/main" val="1"/>
+              <ma14:wrappingTextBoxFlag xmlns:ma14="http://schemas.microsoft.com/office/mac/drawingml/2011/main" xmlns:a14="http://schemas.microsoft.com/office/drawing/2010/main" xmlns:m="http://schemas.openxmlformats.org/officeDocument/2006/math" xmlns="" val="1"/>
             </a:ext>
           </a:extLst>
         </p:spPr>
